--- a/estudios/UEX/Curso2/Asignaturas/IPO/Ejercicios/JoseLuisObiangEN_Ejercicio2-B.pptx
+++ b/estudios/UEX/Curso2/Asignaturas/IPO/Ejercicios/JoseLuisObiangEN_Ejercicio2-B.pptx
@@ -2945,6 +2945,199 @@
 </dgm:styleDef>
 </file>
 
+<file path=ppt/ink/ink1.xml><?xml version="1.0" encoding="utf-8"?>
+<inkml:ink xmlns:inkml="http://www.w3.org/2003/InkML">
+  <inkml:definitions>
+    <inkml:context xml:id="ctx0">
+      <inkml:inkSource xml:id="inkSrc0">
+        <inkml:traceFormat>
+          <inkml:channel name="X" type="integer" min="-2.14748E9" max="2.14748E9" units="cm"/>
+          <inkml:channel name="Y" type="integer" min="-2.14748E9" max="2.14748E9" units="cm"/>
+          <inkml:channel name="F" type="integer" max="32767" units="dev"/>
+        </inkml:traceFormat>
+        <inkml:channelProperties>
+          <inkml:channelProperty channel="X" name="resolution" value="1000" units="1/cm"/>
+          <inkml:channelProperty channel="Y" name="resolution" value="1000" units="1/cm"/>
+          <inkml:channelProperty channel="F" name="resolution" value="0" units="1/dev"/>
+        </inkml:channelProperties>
+      </inkml:inkSource>
+      <inkml:timestamp xml:id="ts0" timeString="2022-10-26T07:23:00.624"/>
+    </inkml:context>
+    <inkml:brush xml:id="br0">
+      <inkml:brushProperty name="width" value="0.05" units="cm"/>
+      <inkml:brushProperty name="height" value="0.05" units="cm"/>
+      <inkml:brushProperty name="color" value="#E71224"/>
+    </inkml:brush>
+  </inkml:definitions>
+  <inkml:trace contextRef="#ctx0" brushRef="#br0">176 0 24575,'-1'4'0,"0"0"0,0-1 0,0 1 0,-1-1 0,1 0 0,-1 1 0,0-1 0,0 0 0,-1 0 0,1 0 0,0 0 0,-1 0 0,-3 2 0,-12 16 0,-96 165 0,112-184 0,0 1 0,1 1 0,-1-1 0,1 0 0,-1 0 0,1 1 0,0-1 0,0 0 0,1 1 0,-1-1 0,1 1 0,0-1 0,-1 1 0,2-1 0,-1 1 0,0-1 0,1 1 0,-1-1 0,1 1 0,2 3 0,-1-3 0,0 0 0,1 0 0,0 0 0,0 0 0,0 0 0,1-1 0,-1 1 0,1-1 0,0 0 0,0 0 0,0-1 0,0 1 0,0-1 0,8 4 0,9 0-56,-1 0 0,1-1 0,1-1 0,-1-1 0,0-1 0,1-1 0,-1 0 0,25-4 0,-14 2-805,13 0-5965</inkml:trace>
+</inkml:ink>
+</file>
+
+<file path=ppt/ink/ink2.xml><?xml version="1.0" encoding="utf-8"?>
+<inkml:ink xmlns:inkml="http://www.w3.org/2003/InkML">
+  <inkml:definitions>
+    <inkml:context xml:id="ctx0">
+      <inkml:inkSource xml:id="inkSrc0">
+        <inkml:traceFormat>
+          <inkml:channel name="X" type="integer" min="-2.14748E9" max="2.14748E9" units="cm"/>
+          <inkml:channel name="Y" type="integer" min="-2.14748E9" max="2.14748E9" units="cm"/>
+          <inkml:channel name="F" type="integer" max="32767" units="dev"/>
+        </inkml:traceFormat>
+        <inkml:channelProperties>
+          <inkml:channelProperty channel="X" name="resolution" value="1000" units="1/cm"/>
+          <inkml:channelProperty channel="Y" name="resolution" value="1000" units="1/cm"/>
+          <inkml:channelProperty channel="F" name="resolution" value="0" units="1/dev"/>
+        </inkml:channelProperties>
+      </inkml:inkSource>
+      <inkml:timestamp xml:id="ts0" timeString="2022-10-26T07:59:07.429"/>
+    </inkml:context>
+    <inkml:brush xml:id="br0">
+      <inkml:brushProperty name="width" value="0.05" units="cm"/>
+      <inkml:brushProperty name="height" value="0.05" units="cm"/>
+    </inkml:brush>
+  </inkml:definitions>
+  <inkml:trace contextRef="#ctx0" brushRef="#br0">2 0 24575,'-2'160'0,"6"174"0,-4-328 0,1 0 0,-1-1 0,1 1 0,1-1 0,-1 1 0,1-1 0,0 1 0,0-1 0,1 0 0,0 0 0,-1 0 0,2 0 0,-1-1 0,7 8 0,-8-10 0,1 0 0,-1-1 0,0 1 0,1 0 0,-1-1 0,1 0 0,0 0 0,0 0 0,-1 0 0,1 0 0,0 0 0,0-1 0,0 0 0,0 1 0,0-1 0,-1 0 0,1 0 0,0 0 0,0-1 0,0 1 0,0-1 0,0 0 0,-1 0 0,1 0 0,0 0 0,0 0 0,-1 0 0,1-1 0,-1 1 0,3-3 0,11-5-124,-1 1 0,2 0 0,-1 2 0,1-1 0,0 2 0,1 0-1,-1 2 1,1-1 0,0 2 0,26 0 0,-1 0-6702</inkml:trace>
+</inkml:ink>
+</file>
+
+<file path=ppt/ink/ink3.xml><?xml version="1.0" encoding="utf-8"?>
+<inkml:ink xmlns:inkml="http://www.w3.org/2003/InkML">
+  <inkml:definitions>
+    <inkml:context xml:id="ctx0">
+      <inkml:inkSource xml:id="inkSrc0">
+        <inkml:traceFormat>
+          <inkml:channel name="X" type="integer" min="-2.14748E9" max="2.14748E9" units="cm"/>
+          <inkml:channel name="Y" type="integer" min="-2.14748E9" max="2.14748E9" units="cm"/>
+          <inkml:channel name="F" type="integer" max="32767" units="dev"/>
+        </inkml:traceFormat>
+        <inkml:channelProperties>
+          <inkml:channelProperty channel="X" name="resolution" value="1000" units="1/cm"/>
+          <inkml:channelProperty channel="Y" name="resolution" value="1000" units="1/cm"/>
+          <inkml:channelProperty channel="F" name="resolution" value="0" units="1/dev"/>
+        </inkml:channelProperties>
+      </inkml:inkSource>
+      <inkml:timestamp xml:id="ts0" timeString="2022-10-26T07:59:09.799"/>
+    </inkml:context>
+    <inkml:brush xml:id="br0">
+      <inkml:brushProperty name="width" value="0.05" units="cm"/>
+      <inkml:brushProperty name="height" value="0.05" units="cm"/>
+    </inkml:brush>
+  </inkml:definitions>
+  <inkml:trace contextRef="#ctx0" brushRef="#br0">0 0 24575,'14'0'0,"11"0"0,9 0 0,4 0 0,4 0 0,1 0 0,0 0 0,-7 0-8191</inkml:trace>
+</inkml:ink>
+</file>
+
+<file path=ppt/ink/ink4.xml><?xml version="1.0" encoding="utf-8"?>
+<inkml:ink xmlns:inkml="http://www.w3.org/2003/InkML">
+  <inkml:definitions>
+    <inkml:context xml:id="ctx0">
+      <inkml:inkSource xml:id="inkSrc0">
+        <inkml:traceFormat>
+          <inkml:channel name="X" type="integer" min="-2.14748E9" max="2.14748E9" units="cm"/>
+          <inkml:channel name="Y" type="integer" min="-2.14748E9" max="2.14748E9" units="cm"/>
+          <inkml:channel name="F" type="integer" max="32767" units="dev"/>
+        </inkml:traceFormat>
+        <inkml:channelProperties>
+          <inkml:channelProperty channel="X" name="resolution" value="1000" units="1/cm"/>
+          <inkml:channelProperty channel="Y" name="resolution" value="1000" units="1/cm"/>
+          <inkml:channelProperty channel="F" name="resolution" value="0" units="1/dev"/>
+        </inkml:channelProperties>
+      </inkml:inkSource>
+      <inkml:timestamp xml:id="ts0" timeString="2022-10-26T07:59:11.669"/>
+    </inkml:context>
+    <inkml:brush xml:id="br0">
+      <inkml:brushProperty name="width" value="0.05" units="cm"/>
+      <inkml:brushProperty name="height" value="0.05" units="cm"/>
+    </inkml:brush>
+  </inkml:definitions>
+  <inkml:trace contextRef="#ctx0" brushRef="#br0">0 1 24575,'7'0'0,"9"0"0,9 0 0,6 0 0,6 0 0,2 0 0,3 0 0,-7 0-8191</inkml:trace>
+</inkml:ink>
+</file>
+
+<file path=ppt/ink/ink5.xml><?xml version="1.0" encoding="utf-8"?>
+<inkml:ink xmlns:inkml="http://www.w3.org/2003/InkML">
+  <inkml:definitions>
+    <inkml:context xml:id="ctx0">
+      <inkml:inkSource xml:id="inkSrc0">
+        <inkml:traceFormat>
+          <inkml:channel name="X" type="integer" min="-2.14748E9" max="2.14748E9" units="cm"/>
+          <inkml:channel name="Y" type="integer" min="-2.14748E9" max="2.14748E9" units="cm"/>
+          <inkml:channel name="F" type="integer" max="32767" units="dev"/>
+        </inkml:traceFormat>
+        <inkml:channelProperties>
+          <inkml:channelProperty channel="X" name="resolution" value="1000" units="1/cm"/>
+          <inkml:channelProperty channel="Y" name="resolution" value="1000" units="1/cm"/>
+          <inkml:channelProperty channel="F" name="resolution" value="0" units="1/dev"/>
+        </inkml:channelProperties>
+      </inkml:inkSource>
+      <inkml:timestamp xml:id="ts0" timeString="2022-10-26T07:59:17.421"/>
+    </inkml:context>
+    <inkml:brush xml:id="br0">
+      <inkml:brushProperty name="width" value="0.05" units="cm"/>
+      <inkml:brushProperty name="height" value="0.05" units="cm"/>
+      <inkml:brushProperty name="color" value="#E71224"/>
+    </inkml:brush>
+  </inkml:definitions>
+  <inkml:trace contextRef="#ctx0" brushRef="#br0">1 0 24575,'0'370'0,"0"-366"0,-1 3 0,1-1 0,1 0 0,-1 1 0,1-1 0,2 9 0,-2-14 0,-1 0 0,0 0 0,1 0 0,-1 0 0,1 0 0,-1 0 0,1 0 0,0 0 0,-1-1 0,1 1 0,0 0 0,-1 0 0,1-1 0,0 1 0,0-1 0,0 1 0,0-1 0,-1 1 0,1-1 0,0 1 0,0-1 0,0 0 0,0 1 0,0-1 0,0 0 0,0 0 0,0 0 0,0 0 0,0 0 0,0 0 0,0 0 0,0 0 0,0 0 0,0 0 0,0-1 0,0 1 0,0 0 0,0-1 0,2 0 0,59-27 0,-48 21 0,1 0 0,-1 1 0,1 0 0,27-6 0,-4 7-1365,-3 2-5461</inkml:trace>
+</inkml:ink>
+</file>
+
+<file path=ppt/ink/ink6.xml><?xml version="1.0" encoding="utf-8"?>
+<inkml:ink xmlns:inkml="http://www.w3.org/2003/InkML">
+  <inkml:definitions>
+    <inkml:context xml:id="ctx0">
+      <inkml:inkSource xml:id="inkSrc0">
+        <inkml:traceFormat>
+          <inkml:channel name="X" type="integer" min="-2.14748E9" max="2.14748E9" units="cm"/>
+          <inkml:channel name="Y" type="integer" min="-2.14748E9" max="2.14748E9" units="cm"/>
+          <inkml:channel name="F" type="integer" max="32767" units="dev"/>
+        </inkml:traceFormat>
+        <inkml:channelProperties>
+          <inkml:channelProperty channel="X" name="resolution" value="1000" units="1/cm"/>
+          <inkml:channelProperty channel="Y" name="resolution" value="1000" units="1/cm"/>
+          <inkml:channelProperty channel="F" name="resolution" value="0" units="1/dev"/>
+        </inkml:channelProperties>
+      </inkml:inkSource>
+      <inkml:timestamp xml:id="ts0" timeString="2022-10-26T07:59:19.359"/>
+    </inkml:context>
+    <inkml:brush xml:id="br0">
+      <inkml:brushProperty name="width" value="0.05" units="cm"/>
+      <inkml:brushProperty name="height" value="0.05" units="cm"/>
+      <inkml:brushProperty name="color" value="#E71224"/>
+    </inkml:brush>
+  </inkml:definitions>
+  <inkml:trace contextRef="#ctx0" brushRef="#br0">1 1 24575,'7'0'0,"9"0"0,15 0 0,10 0 0,4 0 0,2 0 0,-1 0 0,-8 0-8191</inkml:trace>
+</inkml:ink>
+</file>
+
+<file path=ppt/ink/ink7.xml><?xml version="1.0" encoding="utf-8"?>
+<inkml:ink xmlns:inkml="http://www.w3.org/2003/InkML">
+  <inkml:definitions>
+    <inkml:context xml:id="ctx0">
+      <inkml:inkSource xml:id="inkSrc0">
+        <inkml:traceFormat>
+          <inkml:channel name="X" type="integer" min="-2.14748E9" max="2.14748E9" units="cm"/>
+          <inkml:channel name="Y" type="integer" min="-2.14748E9" max="2.14748E9" units="cm"/>
+          <inkml:channel name="F" type="integer" max="32767" units="dev"/>
+        </inkml:traceFormat>
+        <inkml:channelProperties>
+          <inkml:channelProperty channel="X" name="resolution" value="1000" units="1/cm"/>
+          <inkml:channelProperty channel="Y" name="resolution" value="1000" units="1/cm"/>
+          <inkml:channelProperty channel="F" name="resolution" value="0" units="1/dev"/>
+        </inkml:channelProperties>
+      </inkml:inkSource>
+      <inkml:timestamp xml:id="ts0" timeString="2022-10-26T07:59:20.989"/>
+    </inkml:context>
+    <inkml:brush xml:id="br0">
+      <inkml:brushProperty name="width" value="0.05" units="cm"/>
+      <inkml:brushProperty name="height" value="0.05" units="cm"/>
+      <inkml:brushProperty name="color" value="#E71224"/>
+    </inkml:brush>
+  </inkml:definitions>
+  <inkml:trace contextRef="#ctx0" brushRef="#br0">1 33 24575,'13'0'0,"12"0"0,2-7 0,2-2 0,4 0 0,-4 2-8191</inkml:trace>
+</inkml:ink>
+</file>
+
 <file path=ppt/slideLayouts/slideLayout1.xml><?xml version="1.0" encoding="utf-8"?>
 <p:sldLayout xmlns:a="http://schemas.openxmlformats.org/drawingml/2006/main" xmlns:r="http://schemas.openxmlformats.org/officeDocument/2006/relationships" xmlns:p="http://schemas.openxmlformats.org/presentationml/2006/main" type="title" preserve="1">
   <p:cSld name="Diapositiva de título">
@@ -3092,7 +3285,7 @@
           <a:p>
             <a:fld id="{E40CC184-E151-4E3A-933B-5941C8B9EE2D}" type="datetimeFigureOut">
               <a:rPr lang="es-ES" smtClean="0"/>
-              <a:t>19/10/2022</a:t>
+              <a:t>26/10/2022</a:t>
             </a:fld>
             <a:endParaRPr lang="es-ES"/>
           </a:p>
@@ -3290,7 +3483,7 @@
           <a:p>
             <a:fld id="{E40CC184-E151-4E3A-933B-5941C8B9EE2D}" type="datetimeFigureOut">
               <a:rPr lang="es-ES" smtClean="0"/>
-              <a:t>19/10/2022</a:t>
+              <a:t>26/10/2022</a:t>
             </a:fld>
             <a:endParaRPr lang="es-ES"/>
           </a:p>
@@ -3498,7 +3691,7 @@
           <a:p>
             <a:fld id="{E40CC184-E151-4E3A-933B-5941C8B9EE2D}" type="datetimeFigureOut">
               <a:rPr lang="es-ES" smtClean="0"/>
-              <a:t>19/10/2022</a:t>
+              <a:t>26/10/2022</a:t>
             </a:fld>
             <a:endParaRPr lang="es-ES"/>
           </a:p>
@@ -3696,7 +3889,7 @@
           <a:p>
             <a:fld id="{E40CC184-E151-4E3A-933B-5941C8B9EE2D}" type="datetimeFigureOut">
               <a:rPr lang="es-ES" smtClean="0"/>
-              <a:t>19/10/2022</a:t>
+              <a:t>26/10/2022</a:t>
             </a:fld>
             <a:endParaRPr lang="es-ES"/>
           </a:p>
@@ -3971,7 +4164,7 @@
           <a:p>
             <a:fld id="{E40CC184-E151-4E3A-933B-5941C8B9EE2D}" type="datetimeFigureOut">
               <a:rPr lang="es-ES" smtClean="0"/>
-              <a:t>19/10/2022</a:t>
+              <a:t>26/10/2022</a:t>
             </a:fld>
             <a:endParaRPr lang="es-ES"/>
           </a:p>
@@ -4236,7 +4429,7 @@
           <a:p>
             <a:fld id="{E40CC184-E151-4E3A-933B-5941C8B9EE2D}" type="datetimeFigureOut">
               <a:rPr lang="es-ES" smtClean="0"/>
-              <a:t>19/10/2022</a:t>
+              <a:t>26/10/2022</a:t>
             </a:fld>
             <a:endParaRPr lang="es-ES"/>
           </a:p>
@@ -4648,7 +4841,7 @@
           <a:p>
             <a:fld id="{E40CC184-E151-4E3A-933B-5941C8B9EE2D}" type="datetimeFigureOut">
               <a:rPr lang="es-ES" smtClean="0"/>
-              <a:t>19/10/2022</a:t>
+              <a:t>26/10/2022</a:t>
             </a:fld>
             <a:endParaRPr lang="es-ES"/>
           </a:p>
@@ -4789,7 +4982,7 @@
           <a:p>
             <a:fld id="{E40CC184-E151-4E3A-933B-5941C8B9EE2D}" type="datetimeFigureOut">
               <a:rPr lang="es-ES" smtClean="0"/>
-              <a:t>19/10/2022</a:t>
+              <a:t>26/10/2022</a:t>
             </a:fld>
             <a:endParaRPr lang="es-ES"/>
           </a:p>
@@ -4902,7 +5095,7 @@
           <a:p>
             <a:fld id="{E40CC184-E151-4E3A-933B-5941C8B9EE2D}" type="datetimeFigureOut">
               <a:rPr lang="es-ES" smtClean="0"/>
-              <a:t>19/10/2022</a:t>
+              <a:t>26/10/2022</a:t>
             </a:fld>
             <a:endParaRPr lang="es-ES"/>
           </a:p>
@@ -5213,7 +5406,7 @@
           <a:p>
             <a:fld id="{E40CC184-E151-4E3A-933B-5941C8B9EE2D}" type="datetimeFigureOut">
               <a:rPr lang="es-ES" smtClean="0"/>
-              <a:t>19/10/2022</a:t>
+              <a:t>26/10/2022</a:t>
             </a:fld>
             <a:endParaRPr lang="es-ES"/>
           </a:p>
@@ -5501,7 +5694,7 @@
           <a:p>
             <a:fld id="{E40CC184-E151-4E3A-933B-5941C8B9EE2D}" type="datetimeFigureOut">
               <a:rPr lang="es-ES" smtClean="0"/>
-              <a:t>19/10/2022</a:t>
+              <a:t>26/10/2022</a:t>
             </a:fld>
             <a:endParaRPr lang="es-ES"/>
           </a:p>
@@ -5742,7 +5935,7 @@
           <a:p>
             <a:fld id="{E40CC184-E151-4E3A-933B-5941C8B9EE2D}" type="datetimeFigureOut">
               <a:rPr lang="es-ES" smtClean="0"/>
-              <a:t>19/10/2022</a:t>
+              <a:t>26/10/2022</a:t>
             </a:fld>
             <a:endParaRPr lang="es-ES"/>
           </a:p>
@@ -7449,6 +7642,405 @@
           </a:p>
         </p:txBody>
       </p:sp>
+      <mc:AlternateContent xmlns:mc="http://schemas.openxmlformats.org/markup-compatibility/2006">
+        <mc:Choice xmlns:p14="http://schemas.microsoft.com/office/powerpoint/2010/main" Requires="p14">
+          <p:contentPart p14:bwMode="auto" r:id="rId10">
+            <p14:nvContentPartPr>
+              <p14:cNvPr id="3" name="Entrada de lápiz 2">
+                <a:extLst>
+                  <a:ext uri="{FF2B5EF4-FFF2-40B4-BE49-F238E27FC236}">
+                    <a16:creationId xmlns:a16="http://schemas.microsoft.com/office/drawing/2014/main" id="{FC4E87A9-EF1F-6291-AAEE-8EF28822CA16}"/>
+                  </a:ext>
+                </a:extLst>
+              </p14:cNvPr>
+              <p14:cNvContentPartPr/>
+              <p14:nvPr/>
+            </p14:nvContentPartPr>
+            <p14:xfrm>
+              <a:off x="2011914" y="4717263"/>
+              <a:ext cx="128520" cy="147600"/>
+            </p14:xfrm>
+          </p:contentPart>
+        </mc:Choice>
+        <mc:Fallback>
+          <p:pic>
+            <p:nvPicPr>
+              <p:cNvPr id="3" name="Entrada de lápiz 2">
+                <a:extLst>
+                  <a:ext uri="{FF2B5EF4-FFF2-40B4-BE49-F238E27FC236}">
+                    <a16:creationId xmlns:a16="http://schemas.microsoft.com/office/drawing/2014/main" id="{FC4E87A9-EF1F-6291-AAEE-8EF28822CA16}"/>
+                  </a:ext>
+                </a:extLst>
+              </p:cNvPr>
+              <p:cNvPicPr/>
+              <p:nvPr/>
+            </p:nvPicPr>
+            <p:blipFill>
+              <a:blip r:embed="rId11"/>
+              <a:stretch>
+                <a:fillRect/>
+              </a:stretch>
+            </p:blipFill>
+            <p:spPr>
+              <a:xfrm>
+                <a:off x="2002914" y="4708263"/>
+                <a:ext cx="146160" cy="165240"/>
+              </a:xfrm>
+              <a:prstGeom prst="rect">
+                <a:avLst/>
+              </a:prstGeom>
+            </p:spPr>
+          </p:pic>
+        </mc:Fallback>
+      </mc:AlternateContent>
+      <p:grpSp>
+        <p:nvGrpSpPr>
+          <p:cNvPr id="30" name="Grupo 29">
+            <a:extLst>
+              <a:ext uri="{FF2B5EF4-FFF2-40B4-BE49-F238E27FC236}">
+                <a16:creationId xmlns:a16="http://schemas.microsoft.com/office/drawing/2014/main" id="{D53222A8-CCF4-ADB9-E8E1-7769D2F66056}"/>
+              </a:ext>
+            </a:extLst>
+          </p:cNvPr>
+          <p:cNvGrpSpPr/>
+          <p:nvPr/>
+        </p:nvGrpSpPr>
+        <p:grpSpPr>
+          <a:xfrm>
+            <a:off x="5268474" y="5399103"/>
+            <a:ext cx="151920" cy="229680"/>
+            <a:chOff x="5268474" y="5399103"/>
+            <a:chExt cx="151920" cy="229680"/>
+          </a:xfrm>
+        </p:grpSpPr>
+        <mc:AlternateContent xmlns:mc="http://schemas.openxmlformats.org/markup-compatibility/2006">
+          <mc:Choice xmlns:p14="http://schemas.microsoft.com/office/powerpoint/2010/main" Requires="p14">
+            <p:contentPart p14:bwMode="auto" r:id="rId12">
+              <p14:nvContentPartPr>
+                <p14:cNvPr id="27" name="Entrada de lápiz 26">
+                  <a:extLst>
+                    <a:ext uri="{FF2B5EF4-FFF2-40B4-BE49-F238E27FC236}">
+                      <a16:creationId xmlns:a16="http://schemas.microsoft.com/office/drawing/2014/main" id="{9CFE675E-6D7D-C416-0D27-A10906E22A9B}"/>
+                    </a:ext>
+                  </a:extLst>
+                </p14:cNvPr>
+                <p14:cNvContentPartPr/>
+                <p14:nvPr/>
+              </p14:nvContentPartPr>
+              <p14:xfrm>
+                <a:off x="5282514" y="5413863"/>
+                <a:ext cx="137880" cy="214920"/>
+              </p14:xfrm>
+            </p:contentPart>
+          </mc:Choice>
+          <mc:Fallback>
+            <p:pic>
+              <p:nvPicPr>
+                <p:cNvPr id="27" name="Entrada de lápiz 26">
+                  <a:extLst>
+                    <a:ext uri="{FF2B5EF4-FFF2-40B4-BE49-F238E27FC236}">
+                      <a16:creationId xmlns:a16="http://schemas.microsoft.com/office/drawing/2014/main" id="{9CFE675E-6D7D-C416-0D27-A10906E22A9B}"/>
+                    </a:ext>
+                  </a:extLst>
+                </p:cNvPr>
+                <p:cNvPicPr/>
+                <p:nvPr/>
+              </p:nvPicPr>
+              <p:blipFill>
+                <a:blip r:embed="rId13"/>
+                <a:stretch>
+                  <a:fillRect/>
+                </a:stretch>
+              </p:blipFill>
+              <p:spPr>
+                <a:xfrm>
+                  <a:off x="5273514" y="5404863"/>
+                  <a:ext cx="155520" cy="232560"/>
+                </a:xfrm>
+                <a:prstGeom prst="rect">
+                  <a:avLst/>
+                </a:prstGeom>
+              </p:spPr>
+            </p:pic>
+          </mc:Fallback>
+        </mc:AlternateContent>
+        <mc:AlternateContent xmlns:mc="http://schemas.openxmlformats.org/markup-compatibility/2006">
+          <mc:Choice xmlns:p14="http://schemas.microsoft.com/office/powerpoint/2010/main" Requires="p14">
+            <p:contentPart p14:bwMode="auto" r:id="rId14">
+              <p14:nvContentPartPr>
+                <p14:cNvPr id="28" name="Entrada de lápiz 27">
+                  <a:extLst>
+                    <a:ext uri="{FF2B5EF4-FFF2-40B4-BE49-F238E27FC236}">
+                      <a16:creationId xmlns:a16="http://schemas.microsoft.com/office/drawing/2014/main" id="{65FE07A0-68CD-2360-075E-4F7713C6CA6E}"/>
+                    </a:ext>
+                  </a:extLst>
+                </p14:cNvPr>
+                <p14:cNvContentPartPr/>
+                <p14:nvPr/>
+              </p14:nvContentPartPr>
+              <p14:xfrm>
+                <a:off x="5268474" y="5399103"/>
+                <a:ext cx="99000" cy="360"/>
+              </p14:xfrm>
+            </p:contentPart>
+          </mc:Choice>
+          <mc:Fallback>
+            <p:pic>
+              <p:nvPicPr>
+                <p:cNvPr id="28" name="Entrada de lápiz 27">
+                  <a:extLst>
+                    <a:ext uri="{FF2B5EF4-FFF2-40B4-BE49-F238E27FC236}">
+                      <a16:creationId xmlns:a16="http://schemas.microsoft.com/office/drawing/2014/main" id="{65FE07A0-68CD-2360-075E-4F7713C6CA6E}"/>
+                    </a:ext>
+                  </a:extLst>
+                </p:cNvPr>
+                <p:cNvPicPr/>
+                <p:nvPr/>
+              </p:nvPicPr>
+              <p:blipFill>
+                <a:blip r:embed="rId15"/>
+                <a:stretch>
+                  <a:fillRect/>
+                </a:stretch>
+              </p:blipFill>
+              <p:spPr>
+                <a:xfrm>
+                  <a:off x="5259474" y="5390103"/>
+                  <a:ext cx="116640" cy="18000"/>
+                </a:xfrm>
+                <a:prstGeom prst="rect">
+                  <a:avLst/>
+                </a:prstGeom>
+              </p:spPr>
+            </p:pic>
+          </mc:Fallback>
+        </mc:AlternateContent>
+        <mc:AlternateContent xmlns:mc="http://schemas.openxmlformats.org/markup-compatibility/2006">
+          <mc:Choice xmlns:p14="http://schemas.microsoft.com/office/powerpoint/2010/main" Requires="p14">
+            <p:contentPart p14:bwMode="auto" r:id="rId16">
+              <p14:nvContentPartPr>
+                <p14:cNvPr id="29" name="Entrada de lápiz 28">
+                  <a:extLst>
+                    <a:ext uri="{FF2B5EF4-FFF2-40B4-BE49-F238E27FC236}">
+                      <a16:creationId xmlns:a16="http://schemas.microsoft.com/office/drawing/2014/main" id="{F8CE3A7B-2CD0-378E-CD3C-2D2DCD281E8E}"/>
+                    </a:ext>
+                  </a:extLst>
+                </p14:cNvPr>
+                <p14:cNvContentPartPr/>
+                <p14:nvPr/>
+              </p14:nvContentPartPr>
+              <p14:xfrm>
+                <a:off x="5283234" y="5486223"/>
+                <a:ext cx="83880" cy="360"/>
+              </p14:xfrm>
+            </p:contentPart>
+          </mc:Choice>
+          <mc:Fallback>
+            <p:pic>
+              <p:nvPicPr>
+                <p:cNvPr id="29" name="Entrada de lápiz 28">
+                  <a:extLst>
+                    <a:ext uri="{FF2B5EF4-FFF2-40B4-BE49-F238E27FC236}">
+                      <a16:creationId xmlns:a16="http://schemas.microsoft.com/office/drawing/2014/main" id="{F8CE3A7B-2CD0-378E-CD3C-2D2DCD281E8E}"/>
+                    </a:ext>
+                  </a:extLst>
+                </p:cNvPr>
+                <p:cNvPicPr/>
+                <p:nvPr/>
+              </p:nvPicPr>
+              <p:blipFill>
+                <a:blip r:embed="rId17"/>
+                <a:stretch>
+                  <a:fillRect/>
+                </a:stretch>
+              </p:blipFill>
+              <p:spPr>
+                <a:xfrm>
+                  <a:off x="5274234" y="5477583"/>
+                  <a:ext cx="101520" cy="18000"/>
+                </a:xfrm>
+                <a:prstGeom prst="rect">
+                  <a:avLst/>
+                </a:prstGeom>
+              </p:spPr>
+            </p:pic>
+          </mc:Fallback>
+        </mc:AlternateContent>
+      </p:grpSp>
+      <p:grpSp>
+        <p:nvGrpSpPr>
+          <p:cNvPr id="35" name="Grupo 34">
+            <a:extLst>
+              <a:ext uri="{FF2B5EF4-FFF2-40B4-BE49-F238E27FC236}">
+                <a16:creationId xmlns:a16="http://schemas.microsoft.com/office/drawing/2014/main" id="{703F454C-DA48-BB0D-8DF9-F77800173DBE}"/>
+              </a:ext>
+            </a:extLst>
+          </p:cNvPr>
+          <p:cNvGrpSpPr/>
+          <p:nvPr/>
+        </p:nvGrpSpPr>
+        <p:grpSpPr>
+          <a:xfrm>
+            <a:off x="4716954" y="4978263"/>
+            <a:ext cx="113760" cy="187200"/>
+            <a:chOff x="4716954" y="4978263"/>
+            <a:chExt cx="113760" cy="187200"/>
+          </a:xfrm>
+        </p:grpSpPr>
+        <mc:AlternateContent xmlns:mc="http://schemas.openxmlformats.org/markup-compatibility/2006">
+          <mc:Choice xmlns:p14="http://schemas.microsoft.com/office/powerpoint/2010/main" Requires="p14">
+            <p:contentPart p14:bwMode="auto" r:id="rId18">
+              <p14:nvContentPartPr>
+                <p14:cNvPr id="31" name="Entrada de lápiz 30">
+                  <a:extLst>
+                    <a:ext uri="{FF2B5EF4-FFF2-40B4-BE49-F238E27FC236}">
+                      <a16:creationId xmlns:a16="http://schemas.microsoft.com/office/drawing/2014/main" id="{39B54C05-A9C4-A0BF-E130-E0AC0D1636DC}"/>
+                    </a:ext>
+                  </a:extLst>
+                </p14:cNvPr>
+                <p14:cNvContentPartPr/>
+                <p14:nvPr/>
+              </p14:nvContentPartPr>
+              <p14:xfrm>
+                <a:off x="4731354" y="5007423"/>
+                <a:ext cx="99360" cy="158040"/>
+              </p14:xfrm>
+            </p:contentPart>
+          </mc:Choice>
+          <mc:Fallback>
+            <p:pic>
+              <p:nvPicPr>
+                <p:cNvPr id="31" name="Entrada de lápiz 30">
+                  <a:extLst>
+                    <a:ext uri="{FF2B5EF4-FFF2-40B4-BE49-F238E27FC236}">
+                      <a16:creationId xmlns:a16="http://schemas.microsoft.com/office/drawing/2014/main" id="{39B54C05-A9C4-A0BF-E130-E0AC0D1636DC}"/>
+                    </a:ext>
+                  </a:extLst>
+                </p:cNvPr>
+                <p:cNvPicPr/>
+                <p:nvPr/>
+              </p:nvPicPr>
+              <p:blipFill>
+                <a:blip r:embed="rId19"/>
+                <a:stretch>
+                  <a:fillRect/>
+                </a:stretch>
+              </p:blipFill>
+              <p:spPr>
+                <a:xfrm>
+                  <a:off x="4722354" y="4998423"/>
+                  <a:ext cx="117000" cy="175680"/>
+                </a:xfrm>
+                <a:prstGeom prst="rect">
+                  <a:avLst/>
+                </a:prstGeom>
+              </p:spPr>
+            </p:pic>
+          </mc:Fallback>
+        </mc:AlternateContent>
+        <mc:AlternateContent xmlns:mc="http://schemas.openxmlformats.org/markup-compatibility/2006">
+          <mc:Choice xmlns:p14="http://schemas.microsoft.com/office/powerpoint/2010/main" Requires="p14">
+            <p:contentPart p14:bwMode="auto" r:id="rId20">
+              <p14:nvContentPartPr>
+                <p14:cNvPr id="32" name="Entrada de lápiz 31">
+                  <a:extLst>
+                    <a:ext uri="{FF2B5EF4-FFF2-40B4-BE49-F238E27FC236}">
+                      <a16:creationId xmlns:a16="http://schemas.microsoft.com/office/drawing/2014/main" id="{D7CE8A29-1D7F-CFFE-FB8F-307440231404}"/>
+                    </a:ext>
+                  </a:extLst>
+                </p14:cNvPr>
+                <p14:cNvContentPartPr/>
+                <p14:nvPr/>
+              </p14:nvContentPartPr>
+              <p14:xfrm>
+                <a:off x="4716954" y="4978263"/>
+                <a:ext cx="97920" cy="360"/>
+              </p14:xfrm>
+            </p:contentPart>
+          </mc:Choice>
+          <mc:Fallback>
+            <p:pic>
+              <p:nvPicPr>
+                <p:cNvPr id="32" name="Entrada de lápiz 31">
+                  <a:extLst>
+                    <a:ext uri="{FF2B5EF4-FFF2-40B4-BE49-F238E27FC236}">
+                      <a16:creationId xmlns:a16="http://schemas.microsoft.com/office/drawing/2014/main" id="{D7CE8A29-1D7F-CFFE-FB8F-307440231404}"/>
+                    </a:ext>
+                  </a:extLst>
+                </p:cNvPr>
+                <p:cNvPicPr/>
+                <p:nvPr/>
+              </p:nvPicPr>
+              <p:blipFill>
+                <a:blip r:embed="rId21"/>
+                <a:stretch>
+                  <a:fillRect/>
+                </a:stretch>
+              </p:blipFill>
+              <p:spPr>
+                <a:xfrm>
+                  <a:off x="4708314" y="4969623"/>
+                  <a:ext cx="115560" cy="18000"/>
+                </a:xfrm>
+                <a:prstGeom prst="rect">
+                  <a:avLst/>
+                </a:prstGeom>
+              </p:spPr>
+            </p:pic>
+          </mc:Fallback>
+        </mc:AlternateContent>
+        <mc:AlternateContent xmlns:mc="http://schemas.openxmlformats.org/markup-compatibility/2006">
+          <mc:Choice xmlns:p14="http://schemas.microsoft.com/office/powerpoint/2010/main" Requires="p14">
+            <p:contentPart p14:bwMode="auto" r:id="rId22">
+              <p14:nvContentPartPr>
+                <p14:cNvPr id="34" name="Entrada de lápiz 33">
+                  <a:extLst>
+                    <a:ext uri="{FF2B5EF4-FFF2-40B4-BE49-F238E27FC236}">
+                      <a16:creationId xmlns:a16="http://schemas.microsoft.com/office/drawing/2014/main" id="{4C914038-1CCE-7402-79FC-B2483EB1688A}"/>
+                    </a:ext>
+                  </a:extLst>
+                </p14:cNvPr>
+                <p14:cNvContentPartPr/>
+                <p14:nvPr/>
+              </p14:nvContentPartPr>
+              <p14:xfrm>
+                <a:off x="4746114" y="5024703"/>
+                <a:ext cx="56520" cy="11880"/>
+              </p14:xfrm>
+            </p:contentPart>
+          </mc:Choice>
+          <mc:Fallback>
+            <p:pic>
+              <p:nvPicPr>
+                <p:cNvPr id="34" name="Entrada de lápiz 33">
+                  <a:extLst>
+                    <a:ext uri="{FF2B5EF4-FFF2-40B4-BE49-F238E27FC236}">
+                      <a16:creationId xmlns:a16="http://schemas.microsoft.com/office/drawing/2014/main" id="{4C914038-1CCE-7402-79FC-B2483EB1688A}"/>
+                    </a:ext>
+                  </a:extLst>
+                </p:cNvPr>
+                <p:cNvPicPr/>
+                <p:nvPr/>
+              </p:nvPicPr>
+              <p:blipFill>
+                <a:blip r:embed="rId23"/>
+                <a:stretch>
+                  <a:fillRect/>
+                </a:stretch>
+              </p:blipFill>
+              <p:spPr>
+                <a:xfrm>
+                  <a:off x="4737474" y="5016063"/>
+                  <a:ext cx="74160" cy="29520"/>
+                </a:xfrm>
+                <a:prstGeom prst="rect">
+                  <a:avLst/>
+                </a:prstGeom>
+              </p:spPr>
+            </p:pic>
+          </mc:Fallback>
+        </mc:AlternateContent>
+      </p:grpSp>
     </p:spTree>
     <p:extLst>
       <p:ext uri="{BB962C8B-B14F-4D97-AF65-F5344CB8AC3E}">
